--- a/p02/A-frame-geometric-objects.pptx
+++ b/p02/A-frame-geometric-objects.pptx
@@ -222,7 +222,7 @@
           <a:p>
             <a:fld id="{FA1E3CD0-6E24-4AC0-945A-82AEC1490673}" type="datetimeFigureOut">
               <a:rPr lang="en-US" smtClean="0"/>
-              <a:t>10/18/2024</a:t>
+              <a:t>10/19/2024</a:t>
             </a:fld>
             <a:endParaRPr lang="en-US"/>
           </a:p>
@@ -1023,7 +1023,7 @@
           <a:p>
             <a:fld id="{846CE7D5-CF57-46EF-B807-FDD0502418D4}" type="datetimeFigureOut">
               <a:rPr lang="en-US" smtClean="0"/>
-              <a:t>10/18/2024</a:t>
+              <a:t>10/19/2024</a:t>
             </a:fld>
             <a:endParaRPr lang="en-US"/>
           </a:p>
@@ -1193,7 +1193,7 @@
           <a:p>
             <a:fld id="{846CE7D5-CF57-46EF-B807-FDD0502418D4}" type="datetimeFigureOut">
               <a:rPr lang="en-US" smtClean="0"/>
-              <a:t>10/18/2024</a:t>
+              <a:t>10/19/2024</a:t>
             </a:fld>
             <a:endParaRPr lang="en-US"/>
           </a:p>
@@ -1373,7 +1373,7 @@
           <a:p>
             <a:fld id="{846CE7D5-CF57-46EF-B807-FDD0502418D4}" type="datetimeFigureOut">
               <a:rPr lang="en-US" smtClean="0"/>
-              <a:t>10/18/2024</a:t>
+              <a:t>10/19/2024</a:t>
             </a:fld>
             <a:endParaRPr lang="en-US"/>
           </a:p>
@@ -1543,7 +1543,7 @@
           <a:p>
             <a:fld id="{846CE7D5-CF57-46EF-B807-FDD0502418D4}" type="datetimeFigureOut">
               <a:rPr lang="en-US" smtClean="0"/>
-              <a:t>10/18/2024</a:t>
+              <a:t>10/19/2024</a:t>
             </a:fld>
             <a:endParaRPr lang="en-US"/>
           </a:p>
@@ -1789,7 +1789,7 @@
           <a:p>
             <a:fld id="{846CE7D5-CF57-46EF-B807-FDD0502418D4}" type="datetimeFigureOut">
               <a:rPr lang="en-US" smtClean="0"/>
-              <a:t>10/18/2024</a:t>
+              <a:t>10/19/2024</a:t>
             </a:fld>
             <a:endParaRPr lang="en-US"/>
           </a:p>
@@ -2021,7 +2021,7 @@
           <a:p>
             <a:fld id="{846CE7D5-CF57-46EF-B807-FDD0502418D4}" type="datetimeFigureOut">
               <a:rPr lang="en-US" smtClean="0"/>
-              <a:t>10/18/2024</a:t>
+              <a:t>10/19/2024</a:t>
             </a:fld>
             <a:endParaRPr lang="en-US"/>
           </a:p>
@@ -2388,7 +2388,7 @@
           <a:p>
             <a:fld id="{846CE7D5-CF57-46EF-B807-FDD0502418D4}" type="datetimeFigureOut">
               <a:rPr lang="en-US" smtClean="0"/>
-              <a:t>10/18/2024</a:t>
+              <a:t>10/19/2024</a:t>
             </a:fld>
             <a:endParaRPr lang="en-US"/>
           </a:p>
@@ -2506,7 +2506,7 @@
           <a:p>
             <a:fld id="{846CE7D5-CF57-46EF-B807-FDD0502418D4}" type="datetimeFigureOut">
               <a:rPr lang="en-US" smtClean="0"/>
-              <a:t>10/18/2024</a:t>
+              <a:t>10/19/2024</a:t>
             </a:fld>
             <a:endParaRPr lang="en-US"/>
           </a:p>
@@ -2601,7 +2601,7 @@
           <a:p>
             <a:fld id="{846CE7D5-CF57-46EF-B807-FDD0502418D4}" type="datetimeFigureOut">
               <a:rPr lang="en-US" smtClean="0"/>
-              <a:t>10/18/2024</a:t>
+              <a:t>10/19/2024</a:t>
             </a:fld>
             <a:endParaRPr lang="en-US"/>
           </a:p>
@@ -2878,7 +2878,7 @@
           <a:p>
             <a:fld id="{846CE7D5-CF57-46EF-B807-FDD0502418D4}" type="datetimeFigureOut">
               <a:rPr lang="en-US" smtClean="0"/>
-              <a:t>10/18/2024</a:t>
+              <a:t>10/19/2024</a:t>
             </a:fld>
             <a:endParaRPr lang="en-US"/>
           </a:p>
@@ -3135,7 +3135,7 @@
           <a:p>
             <a:fld id="{846CE7D5-CF57-46EF-B807-FDD0502418D4}" type="datetimeFigureOut">
               <a:rPr lang="en-US" smtClean="0"/>
-              <a:t>10/18/2024</a:t>
+              <a:t>10/19/2024</a:t>
             </a:fld>
             <a:endParaRPr lang="en-US"/>
           </a:p>
@@ -3348,7 +3348,7 @@
           <a:p>
             <a:fld id="{846CE7D5-CF57-46EF-B807-FDD0502418D4}" type="datetimeFigureOut">
               <a:rPr lang="en-US" smtClean="0"/>
-              <a:t>10/18/2024</a:t>
+              <a:t>10/19/2024</a:t>
             </a:fld>
             <a:endParaRPr lang="en-US"/>
           </a:p>
@@ -5338,7 +5338,7 @@
             </a:r>
             <a:r>
               <a:rPr lang="en-US" sz="2400" dirty="0"/>
-              <a:t>=“…”</a:t>
+              <a:t>=“…”  by uploading</a:t>
             </a:r>
           </a:p>
         </p:txBody>
@@ -6533,7 +6533,7 @@
             </a:pPr>
             <a:r>
               <a:rPr lang="en-US" dirty="0"/>
-              <a:t>      &lt;a-sphere position="0 3 -5" </a:t>
+              <a:t>      &lt;a-sphere position="0  3  -5" </a:t>
             </a:r>
             <a:r>
               <a:rPr lang="en-US" dirty="0" err="1"/>
@@ -6737,17 +6737,7 @@
             </a:r>
             <a:r>
               <a:rPr lang="en-US" sz="2800" dirty="0"/>
-              <a:t>="</a:t>
-            </a:r>
-            <a:r>
-              <a:rPr lang="en-US" sz="2800" dirty="0">
-                <a:hlinkClick r:id="rId3"/>
-              </a:rPr>
-              <a:t>https://i.imgur.com/mYmmbrp.jpg</a:t>
-            </a:r>
-            <a:r>
-              <a:rPr lang="en-US" sz="2800" dirty="0"/>
-              <a:t>"</a:t>
+              <a:t>=“../IMAGES/…"</a:t>
             </a:r>
           </a:p>
           <a:p>
@@ -7029,7 +7019,7 @@
         </p:nvSpPr>
         <p:spPr>
           <a:xfrm>
-            <a:off x="419100" y="1838151"/>
+            <a:off x="691056" y="1585903"/>
             <a:ext cx="11353800" cy="4654724"/>
           </a:xfrm>
         </p:spPr>
@@ -8055,13 +8045,13 @@
           <p:nvPr>
             <p:extLst>
               <p:ext uri="{D42A27DB-BD31-4B8C-83A1-F6EECF244321}">
-                <p14:modId xmlns:p14="http://schemas.microsoft.com/office/powerpoint/2010/main" val="3021981825"/>
+                <p14:modId xmlns:p14="http://schemas.microsoft.com/office/powerpoint/2010/main" val="576095667"/>
               </p:ext>
             </p:extLst>
           </p:nvPr>
         </p:nvGraphicFramePr>
         <p:xfrm>
-          <a:off x="446391" y="1690688"/>
+          <a:off x="446391" y="2174164"/>
           <a:ext cx="11299218" cy="3845560"/>
         </p:xfrm>
         <a:graphic>

--- a/p02/A-frame-geometric-objects.pptx
+++ b/p02/A-frame-geometric-objects.pptx
@@ -222,7 +222,7 @@
           <a:p>
             <a:fld id="{FA1E3CD0-6E24-4AC0-945A-82AEC1490673}" type="datetimeFigureOut">
               <a:rPr lang="en-US" smtClean="0"/>
-              <a:t>10/19/2024</a:t>
+              <a:t>10/25/2024</a:t>
             </a:fld>
             <a:endParaRPr lang="en-US"/>
           </a:p>
@@ -1023,7 +1023,7 @@
           <a:p>
             <a:fld id="{846CE7D5-CF57-46EF-B807-FDD0502418D4}" type="datetimeFigureOut">
               <a:rPr lang="en-US" smtClean="0"/>
-              <a:t>10/19/2024</a:t>
+              <a:t>10/25/2024</a:t>
             </a:fld>
             <a:endParaRPr lang="en-US"/>
           </a:p>
@@ -1193,7 +1193,7 @@
           <a:p>
             <a:fld id="{846CE7D5-CF57-46EF-B807-FDD0502418D4}" type="datetimeFigureOut">
               <a:rPr lang="en-US" smtClean="0"/>
-              <a:t>10/19/2024</a:t>
+              <a:t>10/25/2024</a:t>
             </a:fld>
             <a:endParaRPr lang="en-US"/>
           </a:p>
@@ -1373,7 +1373,7 @@
           <a:p>
             <a:fld id="{846CE7D5-CF57-46EF-B807-FDD0502418D4}" type="datetimeFigureOut">
               <a:rPr lang="en-US" smtClean="0"/>
-              <a:t>10/19/2024</a:t>
+              <a:t>10/25/2024</a:t>
             </a:fld>
             <a:endParaRPr lang="en-US"/>
           </a:p>
@@ -1543,7 +1543,7 @@
           <a:p>
             <a:fld id="{846CE7D5-CF57-46EF-B807-FDD0502418D4}" type="datetimeFigureOut">
               <a:rPr lang="en-US" smtClean="0"/>
-              <a:t>10/19/2024</a:t>
+              <a:t>10/25/2024</a:t>
             </a:fld>
             <a:endParaRPr lang="en-US"/>
           </a:p>
@@ -1789,7 +1789,7 @@
           <a:p>
             <a:fld id="{846CE7D5-CF57-46EF-B807-FDD0502418D4}" type="datetimeFigureOut">
               <a:rPr lang="en-US" smtClean="0"/>
-              <a:t>10/19/2024</a:t>
+              <a:t>10/25/2024</a:t>
             </a:fld>
             <a:endParaRPr lang="en-US"/>
           </a:p>
@@ -2021,7 +2021,7 @@
           <a:p>
             <a:fld id="{846CE7D5-CF57-46EF-B807-FDD0502418D4}" type="datetimeFigureOut">
               <a:rPr lang="en-US" smtClean="0"/>
-              <a:t>10/19/2024</a:t>
+              <a:t>10/25/2024</a:t>
             </a:fld>
             <a:endParaRPr lang="en-US"/>
           </a:p>
@@ -2388,7 +2388,7 @@
           <a:p>
             <a:fld id="{846CE7D5-CF57-46EF-B807-FDD0502418D4}" type="datetimeFigureOut">
               <a:rPr lang="en-US" smtClean="0"/>
-              <a:t>10/19/2024</a:t>
+              <a:t>10/25/2024</a:t>
             </a:fld>
             <a:endParaRPr lang="en-US"/>
           </a:p>
@@ -2506,7 +2506,7 @@
           <a:p>
             <a:fld id="{846CE7D5-CF57-46EF-B807-FDD0502418D4}" type="datetimeFigureOut">
               <a:rPr lang="en-US" smtClean="0"/>
-              <a:t>10/19/2024</a:t>
+              <a:t>10/25/2024</a:t>
             </a:fld>
             <a:endParaRPr lang="en-US"/>
           </a:p>
@@ -2601,7 +2601,7 @@
           <a:p>
             <a:fld id="{846CE7D5-CF57-46EF-B807-FDD0502418D4}" type="datetimeFigureOut">
               <a:rPr lang="en-US" smtClean="0"/>
-              <a:t>10/19/2024</a:t>
+              <a:t>10/25/2024</a:t>
             </a:fld>
             <a:endParaRPr lang="en-US"/>
           </a:p>
@@ -2878,7 +2878,7 @@
           <a:p>
             <a:fld id="{846CE7D5-CF57-46EF-B807-FDD0502418D4}" type="datetimeFigureOut">
               <a:rPr lang="en-US" smtClean="0"/>
-              <a:t>10/19/2024</a:t>
+              <a:t>10/25/2024</a:t>
             </a:fld>
             <a:endParaRPr lang="en-US"/>
           </a:p>
@@ -3135,7 +3135,7 @@
           <a:p>
             <a:fld id="{846CE7D5-CF57-46EF-B807-FDD0502418D4}" type="datetimeFigureOut">
               <a:rPr lang="en-US" smtClean="0"/>
-              <a:t>10/19/2024</a:t>
+              <a:t>10/25/2024</a:t>
             </a:fld>
             <a:endParaRPr lang="en-US"/>
           </a:p>
@@ -3348,7 +3348,7 @@
           <a:p>
             <a:fld id="{846CE7D5-CF57-46EF-B807-FDD0502418D4}" type="datetimeFigureOut">
               <a:rPr lang="en-US" smtClean="0"/>
-              <a:t>10/19/2024</a:t>
+              <a:t>10/25/2024</a:t>
             </a:fld>
             <a:endParaRPr lang="en-US"/>
           </a:p>
@@ -7260,7 +7260,7 @@
         </p:blipFill>
         <p:spPr>
           <a:xfrm>
-            <a:off x="3116688" y="1576634"/>
+            <a:off x="4297252" y="1542290"/>
             <a:ext cx="4255138" cy="4522515"/>
           </a:xfrm>
           <a:prstGeom prst="rect">

--- a/p02/A-frame-geometric-objects.pptx
+++ b/p02/A-frame-geometric-objects.pptx
@@ -222,7 +222,7 @@
           <a:p>
             <a:fld id="{FA1E3CD0-6E24-4AC0-945A-82AEC1490673}" type="datetimeFigureOut">
               <a:rPr lang="en-US" smtClean="0"/>
-              <a:t>10/25/2024</a:t>
+              <a:t>10/26/2024</a:t>
             </a:fld>
             <a:endParaRPr lang="en-US"/>
           </a:p>
@@ -1023,7 +1023,7 @@
           <a:p>
             <a:fld id="{846CE7D5-CF57-46EF-B807-FDD0502418D4}" type="datetimeFigureOut">
               <a:rPr lang="en-US" smtClean="0"/>
-              <a:t>10/25/2024</a:t>
+              <a:t>10/26/2024</a:t>
             </a:fld>
             <a:endParaRPr lang="en-US"/>
           </a:p>
@@ -1193,7 +1193,7 @@
           <a:p>
             <a:fld id="{846CE7D5-CF57-46EF-B807-FDD0502418D4}" type="datetimeFigureOut">
               <a:rPr lang="en-US" smtClean="0"/>
-              <a:t>10/25/2024</a:t>
+              <a:t>10/26/2024</a:t>
             </a:fld>
             <a:endParaRPr lang="en-US"/>
           </a:p>
@@ -1373,7 +1373,7 @@
           <a:p>
             <a:fld id="{846CE7D5-CF57-46EF-B807-FDD0502418D4}" type="datetimeFigureOut">
               <a:rPr lang="en-US" smtClean="0"/>
-              <a:t>10/25/2024</a:t>
+              <a:t>10/26/2024</a:t>
             </a:fld>
             <a:endParaRPr lang="en-US"/>
           </a:p>
@@ -1543,7 +1543,7 @@
           <a:p>
             <a:fld id="{846CE7D5-CF57-46EF-B807-FDD0502418D4}" type="datetimeFigureOut">
               <a:rPr lang="en-US" smtClean="0"/>
-              <a:t>10/25/2024</a:t>
+              <a:t>10/26/2024</a:t>
             </a:fld>
             <a:endParaRPr lang="en-US"/>
           </a:p>
@@ -1789,7 +1789,7 @@
           <a:p>
             <a:fld id="{846CE7D5-CF57-46EF-B807-FDD0502418D4}" type="datetimeFigureOut">
               <a:rPr lang="en-US" smtClean="0"/>
-              <a:t>10/25/2024</a:t>
+              <a:t>10/26/2024</a:t>
             </a:fld>
             <a:endParaRPr lang="en-US"/>
           </a:p>
@@ -2021,7 +2021,7 @@
           <a:p>
             <a:fld id="{846CE7D5-CF57-46EF-B807-FDD0502418D4}" type="datetimeFigureOut">
               <a:rPr lang="en-US" smtClean="0"/>
-              <a:t>10/25/2024</a:t>
+              <a:t>10/26/2024</a:t>
             </a:fld>
             <a:endParaRPr lang="en-US"/>
           </a:p>
@@ -2388,7 +2388,7 @@
           <a:p>
             <a:fld id="{846CE7D5-CF57-46EF-B807-FDD0502418D4}" type="datetimeFigureOut">
               <a:rPr lang="en-US" smtClean="0"/>
-              <a:t>10/25/2024</a:t>
+              <a:t>10/26/2024</a:t>
             </a:fld>
             <a:endParaRPr lang="en-US"/>
           </a:p>
@@ -2506,7 +2506,7 @@
           <a:p>
             <a:fld id="{846CE7D5-CF57-46EF-B807-FDD0502418D4}" type="datetimeFigureOut">
               <a:rPr lang="en-US" smtClean="0"/>
-              <a:t>10/25/2024</a:t>
+              <a:t>10/26/2024</a:t>
             </a:fld>
             <a:endParaRPr lang="en-US"/>
           </a:p>
@@ -2601,7 +2601,7 @@
           <a:p>
             <a:fld id="{846CE7D5-CF57-46EF-B807-FDD0502418D4}" type="datetimeFigureOut">
               <a:rPr lang="en-US" smtClean="0"/>
-              <a:t>10/25/2024</a:t>
+              <a:t>10/26/2024</a:t>
             </a:fld>
             <a:endParaRPr lang="en-US"/>
           </a:p>
@@ -2878,7 +2878,7 @@
           <a:p>
             <a:fld id="{846CE7D5-CF57-46EF-B807-FDD0502418D4}" type="datetimeFigureOut">
               <a:rPr lang="en-US" smtClean="0"/>
-              <a:t>10/25/2024</a:t>
+              <a:t>10/26/2024</a:t>
             </a:fld>
             <a:endParaRPr lang="en-US"/>
           </a:p>
@@ -3135,7 +3135,7 @@
           <a:p>
             <a:fld id="{846CE7D5-CF57-46EF-B807-FDD0502418D4}" type="datetimeFigureOut">
               <a:rPr lang="en-US" smtClean="0"/>
-              <a:t>10/25/2024</a:t>
+              <a:t>10/26/2024</a:t>
             </a:fld>
             <a:endParaRPr lang="en-US"/>
           </a:p>
@@ -3348,7 +3348,7 @@
           <a:p>
             <a:fld id="{846CE7D5-CF57-46EF-B807-FDD0502418D4}" type="datetimeFigureOut">
               <a:rPr lang="en-US" smtClean="0"/>
-              <a:t>10/25/2024</a:t>
+              <a:t>10/26/2024</a:t>
             </a:fld>
             <a:endParaRPr lang="en-US"/>
           </a:p>
@@ -6737,7 +6737,7 @@
             </a:r>
             <a:r>
               <a:rPr lang="en-US" sz="2800" dirty="0"/>
-              <a:t>=“../IMAGES/…"</a:t>
+              <a:t>=“./IMAGES/…"</a:t>
             </a:r>
           </a:p>
           <a:p>

--- a/p02/A-frame-geometric-objects.pptx
+++ b/p02/A-frame-geometric-objects.pptx
@@ -222,7 +222,7 @@
           <a:p>
             <a:fld id="{FA1E3CD0-6E24-4AC0-945A-82AEC1490673}" type="datetimeFigureOut">
               <a:rPr lang="en-US" smtClean="0"/>
-              <a:t>10/26/2024</a:t>
+              <a:t>5/19/2025</a:t>
             </a:fld>
             <a:endParaRPr lang="en-US"/>
           </a:p>
@@ -1023,7 +1023,7 @@
           <a:p>
             <a:fld id="{846CE7D5-CF57-46EF-B807-FDD0502418D4}" type="datetimeFigureOut">
               <a:rPr lang="en-US" smtClean="0"/>
-              <a:t>10/26/2024</a:t>
+              <a:t>5/19/2025</a:t>
             </a:fld>
             <a:endParaRPr lang="en-US"/>
           </a:p>
@@ -1193,7 +1193,7 @@
           <a:p>
             <a:fld id="{846CE7D5-CF57-46EF-B807-FDD0502418D4}" type="datetimeFigureOut">
               <a:rPr lang="en-US" smtClean="0"/>
-              <a:t>10/26/2024</a:t>
+              <a:t>5/19/2025</a:t>
             </a:fld>
             <a:endParaRPr lang="en-US"/>
           </a:p>
@@ -1373,7 +1373,7 @@
           <a:p>
             <a:fld id="{846CE7D5-CF57-46EF-B807-FDD0502418D4}" type="datetimeFigureOut">
               <a:rPr lang="en-US" smtClean="0"/>
-              <a:t>10/26/2024</a:t>
+              <a:t>5/19/2025</a:t>
             </a:fld>
             <a:endParaRPr lang="en-US"/>
           </a:p>
@@ -1543,7 +1543,7 @@
           <a:p>
             <a:fld id="{846CE7D5-CF57-46EF-B807-FDD0502418D4}" type="datetimeFigureOut">
               <a:rPr lang="en-US" smtClean="0"/>
-              <a:t>10/26/2024</a:t>
+              <a:t>5/19/2025</a:t>
             </a:fld>
             <a:endParaRPr lang="en-US"/>
           </a:p>
@@ -1789,7 +1789,7 @@
           <a:p>
             <a:fld id="{846CE7D5-CF57-46EF-B807-FDD0502418D4}" type="datetimeFigureOut">
               <a:rPr lang="en-US" smtClean="0"/>
-              <a:t>10/26/2024</a:t>
+              <a:t>5/19/2025</a:t>
             </a:fld>
             <a:endParaRPr lang="en-US"/>
           </a:p>
@@ -2021,7 +2021,7 @@
           <a:p>
             <a:fld id="{846CE7D5-CF57-46EF-B807-FDD0502418D4}" type="datetimeFigureOut">
               <a:rPr lang="en-US" smtClean="0"/>
-              <a:t>10/26/2024</a:t>
+              <a:t>5/19/2025</a:t>
             </a:fld>
             <a:endParaRPr lang="en-US"/>
           </a:p>
@@ -2388,7 +2388,7 @@
           <a:p>
             <a:fld id="{846CE7D5-CF57-46EF-B807-FDD0502418D4}" type="datetimeFigureOut">
               <a:rPr lang="en-US" smtClean="0"/>
-              <a:t>10/26/2024</a:t>
+              <a:t>5/19/2025</a:t>
             </a:fld>
             <a:endParaRPr lang="en-US"/>
           </a:p>
@@ -2506,7 +2506,7 @@
           <a:p>
             <a:fld id="{846CE7D5-CF57-46EF-B807-FDD0502418D4}" type="datetimeFigureOut">
               <a:rPr lang="en-US" smtClean="0"/>
-              <a:t>10/26/2024</a:t>
+              <a:t>5/19/2025</a:t>
             </a:fld>
             <a:endParaRPr lang="en-US"/>
           </a:p>
@@ -2601,7 +2601,7 @@
           <a:p>
             <a:fld id="{846CE7D5-CF57-46EF-B807-FDD0502418D4}" type="datetimeFigureOut">
               <a:rPr lang="en-US" smtClean="0"/>
-              <a:t>10/26/2024</a:t>
+              <a:t>5/19/2025</a:t>
             </a:fld>
             <a:endParaRPr lang="en-US"/>
           </a:p>
@@ -2878,7 +2878,7 @@
           <a:p>
             <a:fld id="{846CE7D5-CF57-46EF-B807-FDD0502418D4}" type="datetimeFigureOut">
               <a:rPr lang="en-US" smtClean="0"/>
-              <a:t>10/26/2024</a:t>
+              <a:t>5/19/2025</a:t>
             </a:fld>
             <a:endParaRPr lang="en-US"/>
           </a:p>
@@ -3135,7 +3135,7 @@
           <a:p>
             <a:fld id="{846CE7D5-CF57-46EF-B807-FDD0502418D4}" type="datetimeFigureOut">
               <a:rPr lang="en-US" smtClean="0"/>
-              <a:t>10/26/2024</a:t>
+              <a:t>5/19/2025</a:t>
             </a:fld>
             <a:endParaRPr lang="en-US"/>
           </a:p>
@@ -3348,7 +3348,7 @@
           <a:p>
             <a:fld id="{846CE7D5-CF57-46EF-B807-FDD0502418D4}" type="datetimeFigureOut">
               <a:rPr lang="en-US" smtClean="0"/>
-              <a:t>10/26/2024</a:t>
+              <a:t>5/19/2025</a:t>
             </a:fld>
             <a:endParaRPr lang="en-US"/>
           </a:p>
@@ -6152,7 +6152,7 @@
             </a:r>
             <a:r>
               <a:rPr lang="en-US" dirty="0"/>
-              <a:t>="https://aframe.io/releases/1.4.1/aframe.min.js"&gt;&lt;/script&gt;</a:t>
+              <a:t>="https://aframe.io/releases/1.7.1/aframe.min.js"&gt;&lt;/script&gt;</a:t>
             </a:r>
           </a:p>
           <a:p>
@@ -8045,7 +8045,7 @@
           <p:nvPr>
             <p:extLst>
               <p:ext uri="{D42A27DB-BD31-4B8C-83A1-F6EECF244321}">
-                <p14:modId xmlns:p14="http://schemas.microsoft.com/office/powerpoint/2010/main" val="576095667"/>
+                <p14:modId xmlns:p14="http://schemas.microsoft.com/office/powerpoint/2010/main" val="1401852305"/>
               </p:ext>
             </p:extLst>
           </p:nvPr>
@@ -8179,9 +8179,12 @@
                         <a:defRPr/>
                       </a:pPr>
                       <a:r>
-                        <a:rPr lang="en-US" sz="2400" dirty="0"/>
-                        <a:t>https://aframe.io/docs/1.4.0/core/scene.html</a:t>
+                        <a:rPr lang="en-US" sz="2400" dirty="0">
+                          <a:hlinkClick r:id="rId2"/>
+                        </a:rPr>
+                        <a:t>https://aframe.io/docs/1.7.1/core/scene.html</a:t>
                       </a:r>
+                      <a:endParaRPr lang="en-US" sz="2400" dirty="0"/>
                     </a:p>
                   </a:txBody>
                   <a:tcPr/>
@@ -8225,9 +8228,12 @@
                     <a:lstStyle/>
                     <a:p>
                       <a:r>
-                        <a:rPr lang="en-US" sz="2400" dirty="0"/>
-                        <a:t>https://aframe.io/docs/1.4.0/primitives/a-text.html</a:t>
+                        <a:rPr lang="en-US" sz="2400" dirty="0">
+                          <a:hlinkClick r:id="rId3"/>
+                        </a:rPr>
+                        <a:t>https://aframe.io/docs/1.7.1/primitives/a-text.html</a:t>
                       </a:r>
+                      <a:endParaRPr lang="en-US" sz="2400" dirty="0"/>
                     </a:p>
                   </a:txBody>
                   <a:tcPr/>
@@ -8271,9 +8277,12 @@
                     <a:lstStyle/>
                     <a:p>
                       <a:r>
-                        <a:rPr lang="en-US" sz="2400" dirty="0"/>
-                        <a:t>https://aframe.io/docs/1.4.0/primitives/a-box.html</a:t>
+                        <a:rPr lang="en-US" sz="2400" dirty="0">
+                          <a:hlinkClick r:id="rId4"/>
+                        </a:rPr>
+                        <a:t>https://aframe.io/docs/1.7.1/primitives/a-box.html</a:t>
                       </a:r>
+                      <a:endParaRPr lang="en-US" sz="2400" dirty="0"/>
                     </a:p>
                   </a:txBody>
                   <a:tcPr/>
@@ -8317,9 +8326,12 @@
                     <a:lstStyle/>
                     <a:p>
                       <a:r>
-                        <a:rPr lang="en-US" sz="2400" dirty="0"/>
-                        <a:t>https://aframe.io/docs/1.5.0/primitives/a-cylinder.html</a:t>
+                        <a:rPr lang="en-US" sz="2400" dirty="0">
+                          <a:hlinkClick r:id="rId5"/>
+                        </a:rPr>
+                        <a:t>https://aframe.io/docs/1.7.1/primitives/a-cylinder.html</a:t>
                       </a:r>
+                      <a:endParaRPr lang="en-US" sz="2400" dirty="0"/>
                     </a:p>
                   </a:txBody>
                   <a:tcPr/>
@@ -8363,9 +8375,12 @@
                     <a:lstStyle/>
                     <a:p>
                       <a:r>
-                        <a:rPr lang="en-US" sz="2400" dirty="0"/>
-                        <a:t>https://aframe.io/docs/1.5.0/primitives/a-plane.html</a:t>
+                        <a:rPr lang="en-US" sz="2400" dirty="0">
+                          <a:hlinkClick r:id="rId6"/>
+                        </a:rPr>
+                        <a:t>https://aframe.io/docs/1.7.1/primitives/a-plane.html</a:t>
                       </a:r>
+                      <a:endParaRPr lang="en-US" sz="2400" dirty="0"/>
                     </a:p>
                   </a:txBody>
                   <a:tcPr/>
@@ -8409,9 +8424,12 @@
                     <a:lstStyle/>
                     <a:p>
                       <a:r>
-                        <a:rPr lang="en-US" sz="2400" dirty="0"/>
-                        <a:t>https://aframe.io/docs/1.4.0/primitives/a-sphere.html</a:t>
+                        <a:rPr lang="en-US" sz="2400" dirty="0">
+                          <a:hlinkClick r:id="rId7"/>
+                        </a:rPr>
+                        <a:t>https://aframe.io/docs/1.7.1/primitives/a-sphere.html</a:t>
                       </a:r>
+                      <a:endParaRPr lang="en-US" sz="2400" dirty="0"/>
                     </a:p>
                   </a:txBody>
                   <a:tcPr/>

--- a/p02/A-frame-geometric-objects.pptx
+++ b/p02/A-frame-geometric-objects.pptx
@@ -222,7 +222,7 @@
           <a:p>
             <a:fld id="{FA1E3CD0-6E24-4AC0-945A-82AEC1490673}" type="datetimeFigureOut">
               <a:rPr lang="en-US" smtClean="0"/>
-              <a:t>5/19/2025</a:t>
+              <a:t>5/30/2025</a:t>
             </a:fld>
             <a:endParaRPr lang="en-US"/>
           </a:p>
@@ -1023,7 +1023,7 @@
           <a:p>
             <a:fld id="{846CE7D5-CF57-46EF-B807-FDD0502418D4}" type="datetimeFigureOut">
               <a:rPr lang="en-US" smtClean="0"/>
-              <a:t>5/19/2025</a:t>
+              <a:t>5/30/2025</a:t>
             </a:fld>
             <a:endParaRPr lang="en-US"/>
           </a:p>
@@ -1193,7 +1193,7 @@
           <a:p>
             <a:fld id="{846CE7D5-CF57-46EF-B807-FDD0502418D4}" type="datetimeFigureOut">
               <a:rPr lang="en-US" smtClean="0"/>
-              <a:t>5/19/2025</a:t>
+              <a:t>5/30/2025</a:t>
             </a:fld>
             <a:endParaRPr lang="en-US"/>
           </a:p>
@@ -1373,7 +1373,7 @@
           <a:p>
             <a:fld id="{846CE7D5-CF57-46EF-B807-FDD0502418D4}" type="datetimeFigureOut">
               <a:rPr lang="en-US" smtClean="0"/>
-              <a:t>5/19/2025</a:t>
+              <a:t>5/30/2025</a:t>
             </a:fld>
             <a:endParaRPr lang="en-US"/>
           </a:p>
@@ -1543,7 +1543,7 @@
           <a:p>
             <a:fld id="{846CE7D5-CF57-46EF-B807-FDD0502418D4}" type="datetimeFigureOut">
               <a:rPr lang="en-US" smtClean="0"/>
-              <a:t>5/19/2025</a:t>
+              <a:t>5/30/2025</a:t>
             </a:fld>
             <a:endParaRPr lang="en-US"/>
           </a:p>
@@ -1789,7 +1789,7 @@
           <a:p>
             <a:fld id="{846CE7D5-CF57-46EF-B807-FDD0502418D4}" type="datetimeFigureOut">
               <a:rPr lang="en-US" smtClean="0"/>
-              <a:t>5/19/2025</a:t>
+              <a:t>5/30/2025</a:t>
             </a:fld>
             <a:endParaRPr lang="en-US"/>
           </a:p>
@@ -2021,7 +2021,7 @@
           <a:p>
             <a:fld id="{846CE7D5-CF57-46EF-B807-FDD0502418D4}" type="datetimeFigureOut">
               <a:rPr lang="en-US" smtClean="0"/>
-              <a:t>5/19/2025</a:t>
+              <a:t>5/30/2025</a:t>
             </a:fld>
             <a:endParaRPr lang="en-US"/>
           </a:p>
@@ -2388,7 +2388,7 @@
           <a:p>
             <a:fld id="{846CE7D5-CF57-46EF-B807-FDD0502418D4}" type="datetimeFigureOut">
               <a:rPr lang="en-US" smtClean="0"/>
-              <a:t>5/19/2025</a:t>
+              <a:t>5/30/2025</a:t>
             </a:fld>
             <a:endParaRPr lang="en-US"/>
           </a:p>
@@ -2506,7 +2506,7 @@
           <a:p>
             <a:fld id="{846CE7D5-CF57-46EF-B807-FDD0502418D4}" type="datetimeFigureOut">
               <a:rPr lang="en-US" smtClean="0"/>
-              <a:t>5/19/2025</a:t>
+              <a:t>5/30/2025</a:t>
             </a:fld>
             <a:endParaRPr lang="en-US"/>
           </a:p>
@@ -2601,7 +2601,7 @@
           <a:p>
             <a:fld id="{846CE7D5-CF57-46EF-B807-FDD0502418D4}" type="datetimeFigureOut">
               <a:rPr lang="en-US" smtClean="0"/>
-              <a:t>5/19/2025</a:t>
+              <a:t>5/30/2025</a:t>
             </a:fld>
             <a:endParaRPr lang="en-US"/>
           </a:p>
@@ -2878,7 +2878,7 @@
           <a:p>
             <a:fld id="{846CE7D5-CF57-46EF-B807-FDD0502418D4}" type="datetimeFigureOut">
               <a:rPr lang="en-US" smtClean="0"/>
-              <a:t>5/19/2025</a:t>
+              <a:t>5/30/2025</a:t>
             </a:fld>
             <a:endParaRPr lang="en-US"/>
           </a:p>
@@ -3135,7 +3135,7 @@
           <a:p>
             <a:fld id="{846CE7D5-CF57-46EF-B807-FDD0502418D4}" type="datetimeFigureOut">
               <a:rPr lang="en-US" smtClean="0"/>
-              <a:t>5/19/2025</a:t>
+              <a:t>5/30/2025</a:t>
             </a:fld>
             <a:endParaRPr lang="en-US"/>
           </a:p>
@@ -3348,7 +3348,7 @@
           <a:p>
             <a:fld id="{846CE7D5-CF57-46EF-B807-FDD0502418D4}" type="datetimeFigureOut">
               <a:rPr lang="en-US" smtClean="0"/>
-              <a:t>5/19/2025</a:t>
+              <a:t>5/30/2025</a:t>
             </a:fld>
             <a:endParaRPr lang="en-US"/>
           </a:p>
@@ -6896,7 +6896,7 @@
             </a:pPr>
             <a:r>
               <a:rPr lang="en-US" dirty="0"/>
-              <a:t>&lt;a-box position="-1 0.5 -3" rotation="0 45 0" color=“red"&gt;&lt;/a-box&gt;</a:t>
+              <a:t>&lt;a-box position="-1   0.5   -3" rotation="0 45 0" color=“red"&gt;&lt;/a-box&gt;</a:t>
             </a:r>
           </a:p>
           <a:p>
@@ -6911,7 +6911,7 @@
             </a:pPr>
             <a:r>
               <a:rPr lang="en-US" dirty="0"/>
-              <a:t>&lt;a-sphere position="0 1.25 -5" radius="1.25" color=“blue“&gt;&lt;/a-sphere&gt;</a:t>
+              <a:t>&lt;a-sphere position="0   1.25   -5" radius="1.25" color=“blue“&gt;&lt;/a-sphere&gt;</a:t>
             </a:r>
           </a:p>
           <a:p>
@@ -7034,7 +7034,7 @@
             </a:pPr>
             <a:r>
               <a:rPr lang="en-US" dirty="0"/>
-              <a:t>&lt;a-box position="-1 0.5 -3" rotation="0 45 0" color=“red"&gt;</a:t>
+              <a:t>&lt;a-box position="-1   0.5   -3" rotation="0 45 0" color=“red"&gt;</a:t>
             </a:r>
           </a:p>
           <a:p>
@@ -7052,7 +7052,7 @@
             </a:pPr>
             <a:r>
               <a:rPr lang="en-US" dirty="0"/>
-              <a:t>&lt;a-sphere position="0 1.25 -5" radius="1.25" color=“blue“&gt;</a:t>
+              <a:t>&lt;a-sphere position="0   1.25   -5" radius="1.25" color=“blue“&gt;</a:t>
             </a:r>
           </a:p>
           <a:p>
@@ -7070,7 +7070,7 @@
             </a:pPr>
             <a:r>
               <a:rPr lang="en-US" dirty="0"/>
-              <a:t>&lt;a-cylinder position="1 0.75 -3" radius="0.5" height="1.5" color=“purple"&gt;</a:t>
+              <a:t>&lt;a-cylinder position="1   0.75   -3" radius="0.5" height="1.5" color=“purple"&gt;</a:t>
             </a:r>
           </a:p>
           <a:p>
@@ -7088,7 +7088,7 @@
             </a:pPr>
             <a:r>
               <a:rPr lang="en-US" dirty="0"/>
-              <a:t>&lt;a-plane position="0 0 -4" </a:t>
+              <a:t>&lt;a-plane position="0   0   -4" </a:t>
             </a:r>
             <a:r>
               <a:rPr lang="en-US" dirty="0">
@@ -8045,7 +8045,7 @@
           <p:nvPr>
             <p:extLst>
               <p:ext uri="{D42A27DB-BD31-4B8C-83A1-F6EECF244321}">
-                <p14:modId xmlns:p14="http://schemas.microsoft.com/office/powerpoint/2010/main" val="1401852305"/>
+                <p14:modId xmlns:p14="http://schemas.microsoft.com/office/powerpoint/2010/main" val="1224849528"/>
               </p:ext>
             </p:extLst>
           </p:nvPr>
@@ -8182,7 +8182,7 @@
                         <a:rPr lang="en-US" sz="2400" dirty="0">
                           <a:hlinkClick r:id="rId2"/>
                         </a:rPr>
-                        <a:t>https://aframe.io/docs/1.7.1/core/scene.html</a:t>
+                        <a:t>https://aframe.io/docs/1.7.0/core/scene.html</a:t>
                       </a:r>
                       <a:endParaRPr lang="en-US" sz="2400" dirty="0"/>
                     </a:p>
@@ -8231,7 +8231,7 @@
                         <a:rPr lang="en-US" sz="2400" dirty="0">
                           <a:hlinkClick r:id="rId3"/>
                         </a:rPr>
-                        <a:t>https://aframe.io/docs/1.7.1/primitives/a-text.html</a:t>
+                        <a:t>https://aframe.io/docs/1.7.0/primitives/a-text.html</a:t>
                       </a:r>
                       <a:endParaRPr lang="en-US" sz="2400" dirty="0"/>
                     </a:p>
@@ -8280,7 +8280,7 @@
                         <a:rPr lang="en-US" sz="2400" dirty="0">
                           <a:hlinkClick r:id="rId4"/>
                         </a:rPr>
-                        <a:t>https://aframe.io/docs/1.7.1/primitives/a-box.html</a:t>
+                        <a:t>https://aframe.io/docs/1.7.0/primitives/a-box.html</a:t>
                       </a:r>
                       <a:endParaRPr lang="en-US" sz="2400" dirty="0"/>
                     </a:p>
@@ -8329,7 +8329,7 @@
                         <a:rPr lang="en-US" sz="2400" dirty="0">
                           <a:hlinkClick r:id="rId5"/>
                         </a:rPr>
-                        <a:t>https://aframe.io/docs/1.7.1/primitives/a-cylinder.html</a:t>
+                        <a:t>https://aframe.io/docs/1.7.0/primitives/a-cylinder.html</a:t>
                       </a:r>
                       <a:endParaRPr lang="en-US" sz="2400" dirty="0"/>
                     </a:p>
@@ -8378,7 +8378,7 @@
                         <a:rPr lang="en-US" sz="2400" dirty="0">
                           <a:hlinkClick r:id="rId6"/>
                         </a:rPr>
-                        <a:t>https://aframe.io/docs/1.7.1/primitives/a-plane.html</a:t>
+                        <a:t>https://aframe.io/docs/1.7.0/primitives/a-plane.html</a:t>
                       </a:r>
                       <a:endParaRPr lang="en-US" sz="2400" dirty="0"/>
                     </a:p>
@@ -8427,7 +8427,7 @@
                         <a:rPr lang="en-US" sz="2400" dirty="0">
                           <a:hlinkClick r:id="rId7"/>
                         </a:rPr>
-                        <a:t>https://aframe.io/docs/1.7.1/primitives/a-sphere.html</a:t>
+                        <a:t>https://aframe.io/docs/1.7.0/primitives/a-sphere.html</a:t>
                       </a:r>
                       <a:endParaRPr lang="en-US" sz="2400" dirty="0"/>
                     </a:p>

--- a/p02/A-frame-geometric-objects.pptx
+++ b/p02/A-frame-geometric-objects.pptx
@@ -222,7 +222,7 @@
           <a:p>
             <a:fld id="{FA1E3CD0-6E24-4AC0-945A-82AEC1490673}" type="datetimeFigureOut">
               <a:rPr lang="en-US" smtClean="0"/>
-              <a:t>5/30/2025</a:t>
+              <a:t>10/24/2025</a:t>
             </a:fld>
             <a:endParaRPr lang="en-US"/>
           </a:p>
@@ -1023,7 +1023,7 @@
           <a:p>
             <a:fld id="{846CE7D5-CF57-46EF-B807-FDD0502418D4}" type="datetimeFigureOut">
               <a:rPr lang="en-US" smtClean="0"/>
-              <a:t>5/30/2025</a:t>
+              <a:t>10/24/2025</a:t>
             </a:fld>
             <a:endParaRPr lang="en-US"/>
           </a:p>
@@ -1193,7 +1193,7 @@
           <a:p>
             <a:fld id="{846CE7D5-CF57-46EF-B807-FDD0502418D4}" type="datetimeFigureOut">
               <a:rPr lang="en-US" smtClean="0"/>
-              <a:t>5/30/2025</a:t>
+              <a:t>10/24/2025</a:t>
             </a:fld>
             <a:endParaRPr lang="en-US"/>
           </a:p>
@@ -1373,7 +1373,7 @@
           <a:p>
             <a:fld id="{846CE7D5-CF57-46EF-B807-FDD0502418D4}" type="datetimeFigureOut">
               <a:rPr lang="en-US" smtClean="0"/>
-              <a:t>5/30/2025</a:t>
+              <a:t>10/24/2025</a:t>
             </a:fld>
             <a:endParaRPr lang="en-US"/>
           </a:p>
@@ -1543,7 +1543,7 @@
           <a:p>
             <a:fld id="{846CE7D5-CF57-46EF-B807-FDD0502418D4}" type="datetimeFigureOut">
               <a:rPr lang="en-US" smtClean="0"/>
-              <a:t>5/30/2025</a:t>
+              <a:t>10/24/2025</a:t>
             </a:fld>
             <a:endParaRPr lang="en-US"/>
           </a:p>
@@ -1789,7 +1789,7 @@
           <a:p>
             <a:fld id="{846CE7D5-CF57-46EF-B807-FDD0502418D4}" type="datetimeFigureOut">
               <a:rPr lang="en-US" smtClean="0"/>
-              <a:t>5/30/2025</a:t>
+              <a:t>10/24/2025</a:t>
             </a:fld>
             <a:endParaRPr lang="en-US"/>
           </a:p>
@@ -2021,7 +2021,7 @@
           <a:p>
             <a:fld id="{846CE7D5-CF57-46EF-B807-FDD0502418D4}" type="datetimeFigureOut">
               <a:rPr lang="en-US" smtClean="0"/>
-              <a:t>5/30/2025</a:t>
+              <a:t>10/24/2025</a:t>
             </a:fld>
             <a:endParaRPr lang="en-US"/>
           </a:p>
@@ -2388,7 +2388,7 @@
           <a:p>
             <a:fld id="{846CE7D5-CF57-46EF-B807-FDD0502418D4}" type="datetimeFigureOut">
               <a:rPr lang="en-US" smtClean="0"/>
-              <a:t>5/30/2025</a:t>
+              <a:t>10/24/2025</a:t>
             </a:fld>
             <a:endParaRPr lang="en-US"/>
           </a:p>
@@ -2506,7 +2506,7 @@
           <a:p>
             <a:fld id="{846CE7D5-CF57-46EF-B807-FDD0502418D4}" type="datetimeFigureOut">
               <a:rPr lang="en-US" smtClean="0"/>
-              <a:t>5/30/2025</a:t>
+              <a:t>10/24/2025</a:t>
             </a:fld>
             <a:endParaRPr lang="en-US"/>
           </a:p>
@@ -2601,7 +2601,7 @@
           <a:p>
             <a:fld id="{846CE7D5-CF57-46EF-B807-FDD0502418D4}" type="datetimeFigureOut">
               <a:rPr lang="en-US" smtClean="0"/>
-              <a:t>5/30/2025</a:t>
+              <a:t>10/24/2025</a:t>
             </a:fld>
             <a:endParaRPr lang="en-US"/>
           </a:p>
@@ -2878,7 +2878,7 @@
           <a:p>
             <a:fld id="{846CE7D5-CF57-46EF-B807-FDD0502418D4}" type="datetimeFigureOut">
               <a:rPr lang="en-US" smtClean="0"/>
-              <a:t>5/30/2025</a:t>
+              <a:t>10/24/2025</a:t>
             </a:fld>
             <a:endParaRPr lang="en-US"/>
           </a:p>
@@ -3135,7 +3135,7 @@
           <a:p>
             <a:fld id="{846CE7D5-CF57-46EF-B807-FDD0502418D4}" type="datetimeFigureOut">
               <a:rPr lang="en-US" smtClean="0"/>
-              <a:t>5/30/2025</a:t>
+              <a:t>10/24/2025</a:t>
             </a:fld>
             <a:endParaRPr lang="en-US"/>
           </a:p>
@@ -3348,7 +3348,7 @@
           <a:p>
             <a:fld id="{846CE7D5-CF57-46EF-B807-FDD0502418D4}" type="datetimeFigureOut">
               <a:rPr lang="en-US" smtClean="0"/>
-              <a:t>5/30/2025</a:t>
+              <a:t>10/24/2025</a:t>
             </a:fld>
             <a:endParaRPr lang="en-US"/>
           </a:p>
